--- a/01.Doc/프로젝트강의_01.pptx
+++ b/01.Doc/프로젝트강의_01.pptx
@@ -22,6 +22,10 @@
     <p:sldId id="271" r:id="rId16"/>
     <p:sldId id="272" r:id="rId17"/>
     <p:sldId id="273" r:id="rId18"/>
+    <p:sldId id="274" r:id="rId19"/>
+    <p:sldId id="275" r:id="rId20"/>
+    <p:sldId id="276" r:id="rId21"/>
+    <p:sldId id="277" r:id="rId22"/>
   </p:sldIdLst>
   <p:sldSz cx="9144000" cy="6858000" type="screen4x3"/>
   <p:notesSz cx="6858000" cy="9144000"/>
@@ -4004,11 +4008,7 @@
             </a:r>
             <a:r>
               <a:rPr lang="ko-KR" altLang="en-US" sz="1800" dirty="0" smtClean="0"/>
-              <a:t>코드 </a:t>
-            </a:r>
-            <a:r>
-              <a:rPr lang="ko-KR" altLang="en-US" sz="1800" dirty="0" smtClean="0"/>
-              <a:t>이용</a:t>
+              <a:t>코드 이용</a:t>
             </a:r>
             <a:endParaRPr lang="en-US" altLang="ko-KR" sz="1800" dirty="0" smtClean="0"/>
           </a:p>
@@ -4030,11 +4030,7 @@
             </a:r>
             <a:r>
               <a:rPr lang="en-US" sz="1400" dirty="0" smtClean="0"/>
-              <a:t> </a:t>
-            </a:r>
-            <a:r>
-              <a:rPr lang="en-US" sz="1400" dirty="0" smtClean="0"/>
-              <a:t>= (Button)</a:t>
+              <a:t> = (Button)</a:t>
             </a:r>
             <a:r>
               <a:rPr lang="en-US" sz="1400" dirty="0" err="1" smtClean="0"/>
@@ -4109,11 +4105,7 @@
             </a:br>
             <a:r>
               <a:rPr lang="en-US" sz="1400" dirty="0" smtClean="0"/>
-              <a:t>        </a:t>
-            </a:r>
-            <a:r>
-              <a:rPr lang="en-US" sz="1400" dirty="0" smtClean="0"/>
-              <a:t>//</a:t>
+              <a:t>        //</a:t>
             </a:r>
             <a:r>
               <a:rPr lang="ko-KR" altLang="en-US" sz="1400" dirty="0" smtClean="0"/>
@@ -4267,11 +4259,7 @@
             </a:pPr>
             <a:r>
               <a:rPr lang="en-US" sz="1400" dirty="0" smtClean="0"/>
-              <a:t>		&lt;</a:t>
-            </a:r>
-            <a:r>
-              <a:rPr lang="en-US" sz="1400" dirty="0" smtClean="0"/>
-              <a:t>item name="</a:t>
+              <a:t>		&lt;item name="</a:t>
             </a:r>
             <a:r>
               <a:rPr lang="en-US" sz="1400" dirty="0" err="1" smtClean="0"/>
@@ -4279,11 +4267,7 @@
             </a:r>
             <a:r>
               <a:rPr lang="en-US" sz="1400" dirty="0" smtClean="0"/>
-              <a:t>"&gt;true&lt;/item</a:t>
-            </a:r>
-            <a:r>
-              <a:rPr lang="en-US" sz="1400" dirty="0" smtClean="0"/>
-              <a:t>&gt;</a:t>
+              <a:t>"&gt;true&lt;/item&gt;</a:t>
             </a:r>
           </a:p>
           <a:p>
@@ -4296,11 +4280,7 @@
             </a:r>
             <a:r>
               <a:rPr lang="ko-KR" altLang="en-US" sz="1400" dirty="0" smtClean="0"/>
-              <a:t>코드 </a:t>
-            </a:r>
-            <a:r>
-              <a:rPr lang="ko-KR" altLang="en-US" sz="1400" dirty="0" smtClean="0"/>
-              <a:t>이용</a:t>
+              <a:t>코드 이용</a:t>
             </a:r>
             <a:endParaRPr lang="en-US" altLang="ko-KR" sz="1400" dirty="0" smtClean="0"/>
           </a:p>
@@ -4310,11 +4290,7 @@
             </a:pPr>
             <a:r>
               <a:rPr lang="en-US" altLang="ko-KR" sz="1400" dirty="0" smtClean="0"/>
-              <a:t> </a:t>
-            </a:r>
-            <a:r>
-              <a:rPr lang="en-US" altLang="ko-KR" sz="1400" dirty="0" smtClean="0"/>
-              <a:t>           </a:t>
+              <a:t>            </a:t>
             </a:r>
             <a:r>
               <a:rPr lang="en-US" sz="1400" dirty="0" err="1" smtClean="0"/>
@@ -4413,15 +4389,7 @@
             </a:pPr>
             <a:r>
               <a:rPr lang="en-US" altLang="ko-KR" sz="1800" dirty="0" smtClean="0"/>
-              <a:t>	</a:t>
-            </a:r>
-            <a:r>
-              <a:rPr lang="en-US" altLang="ko-KR" sz="1800" dirty="0" smtClean="0"/>
-              <a:t>	</a:t>
-            </a:r>
-            <a:r>
-              <a:rPr lang="en-US" altLang="ko-KR" sz="1800" dirty="0" smtClean="0"/>
-              <a:t>style.xml</a:t>
+              <a:t>		style.xml</a:t>
             </a:r>
             <a:r>
               <a:rPr lang="ko-KR" altLang="en-US" sz="1800" dirty="0" smtClean="0"/>
@@ -4435,11 +4403,7 @@
             </a:pPr>
             <a:r>
               <a:rPr lang="en-US" sz="1800" dirty="0" smtClean="0"/>
-              <a:t>		&lt;item name</a:t>
-            </a:r>
-            <a:r>
-              <a:rPr lang="en-US" sz="1800" dirty="0" smtClean="0"/>
-              <a:t>=“</a:t>
+              <a:t>		&lt;item name=“</a:t>
             </a:r>
             <a:r>
               <a:rPr lang="en-US" sz="1800" dirty="0" err="1" smtClean="0"/>
@@ -4447,15 +4411,7 @@
             </a:r>
             <a:r>
               <a:rPr lang="en-US" sz="1800" dirty="0" smtClean="0"/>
-              <a:t>"&gt;</a:t>
-            </a:r>
-            <a:r>
-              <a:rPr lang="en-US" sz="1800" dirty="0" smtClean="0"/>
-              <a:t>true&lt;/item</a:t>
-            </a:r>
-            <a:r>
-              <a:rPr lang="en-US" sz="1800" dirty="0" smtClean="0"/>
-              <a:t>&gt;</a:t>
+              <a:t>"&gt;true&lt;/item&gt;</a:t>
             </a:r>
           </a:p>
           <a:p>
@@ -4478,11 +4434,7 @@
             </a:pPr>
             <a:r>
               <a:rPr lang="en-US" sz="1800" dirty="0" smtClean="0"/>
-              <a:t> </a:t>
-            </a:r>
-            <a:r>
-              <a:rPr lang="en-US" sz="1800" dirty="0" smtClean="0"/>
-              <a:t>           </a:t>
+              <a:t>            </a:t>
             </a:r>
             <a:r>
               <a:rPr lang="en-US" sz="1400" dirty="0" err="1" smtClean="0"/>
@@ -4582,7 +4534,7 @@
         <p:spPr/>
         <p:txBody>
           <a:bodyPr>
-            <a:normAutofit lnSpcReduction="10000"/>
+            <a:normAutofit/>
           </a:bodyPr>
           <a:lstStyle/>
           <a:p>
@@ -4590,16 +4542,12 @@
               <a:buNone/>
             </a:pPr>
             <a:r>
-              <a:rPr lang="en-US" altLang="ko-KR" sz="1800" dirty="0" err="1" smtClean="0"/>
-              <a:t>Actionbar</a:t>
-            </a:r>
-            <a:r>
-              <a:rPr lang="en-US" altLang="ko-KR" sz="1800" dirty="0" smtClean="0"/>
-              <a:t>/Toolbar/Title </a:t>
-            </a:r>
-            <a:r>
               <a:rPr lang="ko-KR" altLang="en-US" sz="1800" dirty="0" smtClean="0"/>
-              <a:t>없애기</a:t>
+              <a:t>막대형 </a:t>
+            </a:r>
+            <a:r>
+              <a:rPr lang="ko-KR" altLang="en-US" sz="1800" dirty="0" err="1" smtClean="0"/>
+              <a:t>진행바</a:t>
             </a:r>
             <a:endParaRPr lang="en-US" altLang="ko-KR" sz="1800" dirty="0" smtClean="0"/>
           </a:p>
@@ -4613,13 +4561,246 @@
             <a:pPr>
               <a:buNone/>
             </a:pPr>
+            <a:endParaRPr lang="en-US" altLang="ko-KR" sz="1400" dirty="0" smtClean="0"/>
+          </a:p>
+          <a:p>
+            <a:pPr>
+              <a:buNone/>
+            </a:pPr>
+            <a:endParaRPr lang="en-US" altLang="ko-KR" sz="1400" dirty="0" smtClean="0"/>
+          </a:p>
+          <a:p>
+            <a:pPr>
+              <a:buNone/>
+            </a:pPr>
+            <a:endParaRPr lang="en-US" altLang="ko-KR" sz="1800" dirty="0" smtClean="0"/>
+          </a:p>
+          <a:p>
+            <a:pPr>
+              <a:buNone/>
+            </a:pPr>
+            <a:endParaRPr lang="en-US" altLang="ko-KR" sz="1800" dirty="0" smtClean="0"/>
+          </a:p>
+          <a:p>
+            <a:pPr>
+              <a:buNone/>
+            </a:pPr>
+            <a:endParaRPr lang="en-US" altLang="ko-KR" sz="1800" dirty="0" smtClean="0"/>
+          </a:p>
+          <a:p>
+            <a:pPr>
+              <a:buNone/>
+            </a:pPr>
+            <a:r>
+              <a:rPr lang="ko-KR" altLang="en-US" sz="1400" dirty="0" smtClean="0"/>
+              <a:t>원형 </a:t>
+            </a:r>
+            <a:r>
+              <a:rPr lang="ko-KR" altLang="en-US" sz="1400" dirty="0" err="1" smtClean="0"/>
+              <a:t>진행바</a:t>
+            </a:r>
+            <a:endParaRPr lang="en-US" altLang="ko-KR" sz="1400" dirty="0" smtClean="0"/>
+          </a:p>
+          <a:p>
+            <a:pPr>
+              <a:buNone/>
+            </a:pPr>
+            <a:endParaRPr lang="ko-KR" altLang="en-US" sz="1800" dirty="0"/>
+          </a:p>
+        </p:txBody>
+      </p:sp>
+      <p:pic>
+        <p:nvPicPr>
+          <p:cNvPr id="1027" name="Picture 3"/>
+          <p:cNvPicPr>
+            <a:picLocks noChangeAspect="1" noChangeArrowheads="1"/>
+          </p:cNvPicPr>
+          <p:nvPr/>
+        </p:nvPicPr>
+        <p:blipFill>
+          <a:blip r:embed="rId2"/>
+          <a:srcRect/>
+          <a:stretch>
+            <a:fillRect/>
+          </a:stretch>
+        </p:blipFill>
+        <p:spPr bwMode="auto">
+          <a:xfrm>
+            <a:off x="2143108" y="2071678"/>
+            <a:ext cx="3695700" cy="1276350"/>
+          </a:xfrm>
+          <a:prstGeom prst="rect">
+            <a:avLst/>
+          </a:prstGeom>
+          <a:noFill/>
+          <a:ln w="9525">
+            <a:noFill/>
+            <a:miter lim="800000"/>
+            <a:headEnd/>
+            <a:tailEnd/>
+          </a:ln>
+          <a:effectLst/>
+        </p:spPr>
+      </p:pic>
+      <p:pic>
+        <p:nvPicPr>
+          <p:cNvPr id="1028" name="Picture 4"/>
+          <p:cNvPicPr>
+            <a:picLocks noChangeAspect="1" noChangeArrowheads="1"/>
+          </p:cNvPicPr>
+          <p:nvPr/>
+        </p:nvPicPr>
+        <p:blipFill>
+          <a:blip r:embed="rId3"/>
+          <a:srcRect/>
+          <a:stretch>
+            <a:fillRect/>
+          </a:stretch>
+        </p:blipFill>
+        <p:spPr bwMode="auto">
+          <a:xfrm>
+            <a:off x="2071670" y="4429132"/>
+            <a:ext cx="3667125" cy="752475"/>
+          </a:xfrm>
+          <a:prstGeom prst="rect">
+            <a:avLst/>
+          </a:prstGeom>
+          <a:noFill/>
+          <a:ln w="9525">
+            <a:noFill/>
+            <a:miter lim="800000"/>
+            <a:headEnd/>
+            <a:tailEnd/>
+          </a:ln>
+          <a:effectLst/>
+        </p:spPr>
+      </p:pic>
+    </p:spTree>
+  </p:cSld>
+  <p:clrMapOvr>
+    <a:masterClrMapping/>
+  </p:clrMapOvr>
+</p:sld>
+</file>
+
+<file path=ppt/slides/slide18.xml><?xml version="1.0" encoding="utf-8"?>
+<p:sld xmlns:a="http://schemas.openxmlformats.org/drawingml/2006/main" xmlns:r="http://schemas.openxmlformats.org/officeDocument/2006/relationships" xmlns:p="http://schemas.openxmlformats.org/presentationml/2006/main">
+  <p:cSld>
+    <p:spTree>
+      <p:nvGrpSpPr>
+        <p:cNvPr id="1" name=""/>
+        <p:cNvGrpSpPr/>
+        <p:nvPr/>
+      </p:nvGrpSpPr>
+      <p:grpSpPr>
+        <a:xfrm>
+          <a:off x="0" y="0"/>
+          <a:ext cx="0" cy="0"/>
+          <a:chOff x="0" y="0"/>
+          <a:chExt cx="0" cy="0"/>
+        </a:xfrm>
+      </p:grpSpPr>
+      <p:sp>
+        <p:nvSpPr>
+          <p:cNvPr id="2" name="제목 1"/>
+          <p:cNvSpPr>
+            <a:spLocks noGrp="1"/>
+          </p:cNvSpPr>
+          <p:nvPr>
+            <p:ph type="title"/>
+          </p:nvPr>
+        </p:nvSpPr>
+        <p:spPr/>
+        <p:txBody>
+          <a:bodyPr/>
+          <a:lstStyle/>
+          <a:p>
+            <a:r>
+              <a:rPr lang="ko-KR" altLang="en-US" dirty="0" err="1" smtClean="0"/>
+              <a:t>진행바</a:t>
+            </a:r>
+            <a:r>
+              <a:rPr lang="ko-KR" altLang="en-US" dirty="0" smtClean="0"/>
+              <a:t> 만들기</a:t>
+            </a:r>
+            <a:endParaRPr lang="ko-KR" altLang="en-US" dirty="0"/>
+          </a:p>
+        </p:txBody>
+      </p:sp>
+      <p:sp>
+        <p:nvSpPr>
+          <p:cNvPr id="3" name="내용 개체 틀 2"/>
+          <p:cNvSpPr>
+            <a:spLocks noGrp="1"/>
+          </p:cNvSpPr>
+          <p:nvPr>
+            <p:ph idx="1"/>
+          </p:nvPr>
+        </p:nvSpPr>
+        <p:spPr/>
+        <p:txBody>
+          <a:bodyPr>
+            <a:normAutofit fontScale="85000" lnSpcReduction="20000"/>
+          </a:bodyPr>
+          <a:lstStyle/>
+          <a:p>
+            <a:pPr>
+              <a:buNone/>
+            </a:pPr>
+            <a:r>
+              <a:rPr lang="ko-KR" altLang="en-US" sz="1800" dirty="0" err="1" smtClean="0"/>
+              <a:t>진행바</a:t>
+            </a:r>
+            <a:r>
+              <a:rPr lang="ko-KR" altLang="en-US" sz="1800" dirty="0" smtClean="0"/>
+              <a:t> 제어</a:t>
+            </a:r>
+            <a:endParaRPr lang="en-US" altLang="ko-KR" sz="1800" dirty="0" smtClean="0"/>
+          </a:p>
+          <a:p>
+            <a:pPr>
+              <a:buNone/>
+            </a:pPr>
+            <a:endParaRPr lang="en-US" altLang="ko-KR" sz="1800" dirty="0" smtClean="0"/>
+          </a:p>
+          <a:p>
+            <a:pPr>
+              <a:buNone/>
+            </a:pPr>
             <a:r>
               <a:rPr lang="en-US" altLang="ko-KR" sz="1800" dirty="0" smtClean="0"/>
-              <a:t>	- xml </a:t>
+              <a:t>	</a:t>
+            </a:r>
+            <a:r>
+              <a:rPr lang="en-US" sz="1800" dirty="0" err="1" smtClean="0"/>
+              <a:t>progressBar.setProgress</a:t>
+            </a:r>
+            <a:r>
+              <a:rPr lang="en-US" sz="1800" dirty="0" smtClean="0"/>
+              <a:t>(90</a:t>
+            </a:r>
+            <a:r>
+              <a:rPr lang="en-US" sz="1800" dirty="0" smtClean="0"/>
+              <a:t>);</a:t>
+            </a:r>
+          </a:p>
+          <a:p>
+            <a:pPr>
+              <a:buNone/>
+            </a:pPr>
+            <a:endParaRPr lang="en-US" altLang="ko-KR" sz="1800" dirty="0" smtClean="0"/>
+          </a:p>
+          <a:p>
+            <a:pPr>
+              <a:buNone/>
+            </a:pPr>
+            <a:r>
+              <a:rPr lang="en-US" altLang="ko-KR" sz="1800" dirty="0" smtClean="0"/>
+              <a:t>Handler </a:t>
             </a:r>
             <a:r>
               <a:rPr lang="ko-KR" altLang="en-US" sz="1800" dirty="0" smtClean="0"/>
-              <a:t>이용 </a:t>
+              <a:t>사용</a:t>
             </a:r>
             <a:endParaRPr lang="en-US" altLang="ko-KR" sz="1800" dirty="0" smtClean="0"/>
           </a:p>
@@ -4628,57 +4809,34 @@
               <a:buNone/>
             </a:pPr>
             <a:r>
+              <a:rPr lang="en-US" altLang="ko-KR" sz="1800" dirty="0" smtClean="0"/>
+              <a:t>    </a:t>
+            </a:r>
+            <a:r>
+              <a:rPr lang="en-US" altLang="ko-KR" sz="1800" dirty="0" err="1" smtClean="0"/>
+              <a:t>onCreate</a:t>
+            </a:r>
+            <a:r>
+              <a:rPr lang="en-US" altLang="ko-KR" sz="1800" dirty="0" smtClean="0"/>
+              <a:t>()</a:t>
+            </a:r>
+          </a:p>
+          <a:p>
+            <a:pPr>
+              <a:buNone/>
+            </a:pPr>
+            <a:r>
+              <a:rPr lang="en-US" altLang="ko-KR" sz="1800" dirty="0" smtClean="0"/>
+              <a:t> </a:t>
+            </a:r>
+            <a:r>
+              <a:rPr lang="en-US" altLang="ko-KR" sz="1800" dirty="0" smtClean="0"/>
+              <a:t>   </a:t>
+            </a:r>
+            <a:r>
               <a:rPr lang="en-US" altLang="ko-KR" sz="1400" dirty="0" smtClean="0"/>
-              <a:t>		style.xml</a:t>
-            </a:r>
-            <a:r>
-              <a:rPr lang="ko-KR" altLang="en-US" sz="1400" dirty="0" smtClean="0"/>
-              <a:t>에 스타일 추가</a:t>
-            </a:r>
-            <a:endParaRPr lang="en-US" altLang="ko-KR" sz="1400" dirty="0" smtClean="0"/>
-          </a:p>
-          <a:p>
-            <a:pPr>
-              <a:buNone/>
-            </a:pPr>
-            <a:r>
-              <a:rPr lang="en-US" sz="1400" dirty="0" smtClean="0"/>
-              <a:t>		&lt;</a:t>
-            </a:r>
-            <a:r>
-              <a:rPr lang="en-US" sz="1400" dirty="0" smtClean="0"/>
-              <a:t>item name="</a:t>
-            </a:r>
-            <a:r>
-              <a:rPr lang="en-US" sz="1400" dirty="0" err="1" smtClean="0"/>
-              <a:t>windowNoTitle</a:t>
-            </a:r>
-            <a:r>
-              <a:rPr lang="en-US" sz="1400" dirty="0" smtClean="0"/>
-              <a:t>"&gt;true&lt;/item</a:t>
-            </a:r>
-            <a:r>
-              <a:rPr lang="en-US" sz="1400" dirty="0" smtClean="0"/>
-              <a:t>&gt;</a:t>
-            </a:r>
-          </a:p>
-          <a:p>
-            <a:pPr>
-              <a:buNone/>
-            </a:pPr>
-            <a:r>
-              <a:rPr lang="en-US" sz="1400" dirty="0" smtClean="0"/>
-              <a:t>	- JAVA </a:t>
-            </a:r>
-            <a:r>
-              <a:rPr lang="ko-KR" altLang="en-US" sz="1400" dirty="0" smtClean="0"/>
-              <a:t>코드 </a:t>
-            </a:r>
-            <a:r>
-              <a:rPr lang="ko-KR" altLang="en-US" sz="1400" dirty="0" smtClean="0"/>
-              <a:t>이용</a:t>
-            </a:r>
-            <a:endParaRPr lang="en-US" altLang="ko-KR" sz="1400" dirty="0" smtClean="0"/>
+              <a:t>{</a:t>
+            </a:r>
           </a:p>
           <a:p>
             <a:pPr>
@@ -4690,49 +4848,96 @@
             </a:r>
             <a:r>
               <a:rPr lang="en-US" altLang="ko-KR" sz="1400" dirty="0" smtClean="0"/>
-              <a:t>           </a:t>
+              <a:t>        …</a:t>
+            </a:r>
+          </a:p>
+          <a:p>
+            <a:pPr>
+              <a:buNone/>
+            </a:pPr>
+            <a:r>
+              <a:rPr lang="en-US" altLang="ko-KR" sz="1400" dirty="0" smtClean="0"/>
+              <a:t> </a:t>
+            </a:r>
+            <a:r>
+              <a:rPr lang="en-US" altLang="ko-KR" sz="1400" dirty="0" smtClean="0"/>
+              <a:t>        </a:t>
             </a:r>
             <a:r>
               <a:rPr lang="en-US" sz="1400" dirty="0" err="1" smtClean="0"/>
-              <a:t>ActionBar</a:t>
+              <a:t>progressBar</a:t>
             </a:r>
             <a:r>
               <a:rPr lang="en-US" sz="1400" dirty="0" smtClean="0"/>
+              <a:t> = (</a:t>
+            </a:r>
+            <a:r>
+              <a:rPr lang="en-US" sz="1400" dirty="0" err="1" smtClean="0"/>
+              <a:t>ProgressBar</a:t>
+            </a:r>
+            <a:r>
+              <a:rPr lang="en-US" sz="1400" dirty="0" smtClean="0"/>
+              <a:t>)</a:t>
+            </a:r>
+            <a:r>
+              <a:rPr lang="en-US" sz="1400" dirty="0" err="1" smtClean="0"/>
+              <a:t>this.findViewById</a:t>
+            </a:r>
+            <a:r>
+              <a:rPr lang="en-US" sz="1400" dirty="0" smtClean="0"/>
+              <a:t>(</a:t>
+            </a:r>
+            <a:r>
+              <a:rPr lang="en-US" sz="1400" dirty="0" err="1" smtClean="0"/>
+              <a:t>R.id.</a:t>
+            </a:r>
+            <a:r>
+              <a:rPr lang="en-US" sz="1400" i="1" dirty="0" err="1" smtClean="0"/>
+              <a:t>progressBar</a:t>
+            </a:r>
+            <a:r>
+              <a:rPr lang="en-US" sz="1400" dirty="0" smtClean="0"/>
+              <a:t>);</a:t>
+            </a:r>
+            <a:br>
+              <a:rPr lang="en-US" sz="1400" dirty="0" smtClean="0"/>
+            </a:br>
+            <a:r>
+              <a:rPr lang="en-US" sz="1400" dirty="0" smtClean="0"/>
+              <a:t/>
+            </a:r>
+            <a:br>
+              <a:rPr lang="en-US" sz="1400" dirty="0" smtClean="0"/>
+            </a:br>
+            <a:r>
+              <a:rPr lang="en-US" sz="1400" dirty="0" smtClean="0"/>
+              <a:t>   </a:t>
+            </a:r>
+            <a:r>
+              <a:rPr lang="en-US" sz="1400" dirty="0" err="1" smtClean="0"/>
+              <a:t>handler.sendEmptyMessageDelayed</a:t>
+            </a:r>
+            <a:r>
+              <a:rPr lang="en-US" sz="1400" dirty="0" smtClean="0"/>
+              <a:t>(0</a:t>
+            </a:r>
+            <a:r>
+              <a:rPr lang="en-US" sz="1400" dirty="0" smtClean="0"/>
+              <a:t>, 1000);</a:t>
+            </a:r>
+            <a:endParaRPr lang="en-US" altLang="ko-KR" sz="1400" dirty="0" smtClean="0"/>
+          </a:p>
+          <a:p>
+            <a:pPr>
+              <a:buNone/>
+            </a:pPr>
+            <a:r>
+              <a:rPr lang="en-US" altLang="ko-KR" sz="1400" dirty="0" smtClean="0"/>
               <a:t> </a:t>
             </a:r>
             <a:r>
-              <a:rPr lang="en-US" sz="1400" dirty="0" err="1" smtClean="0"/>
-              <a:t>actionBar</a:t>
-            </a:r>
-            <a:r>
-              <a:rPr lang="en-US" sz="1400" dirty="0" smtClean="0"/>
-              <a:t> = </a:t>
-            </a:r>
-            <a:r>
-              <a:rPr lang="en-US" sz="1400" dirty="0" err="1" smtClean="0"/>
-              <a:t>this.getSupportActionBar</a:t>
-            </a:r>
-            <a:r>
-              <a:rPr lang="en-US" sz="1400" dirty="0" smtClean="0"/>
-              <a:t>();</a:t>
-            </a:r>
-            <a:endParaRPr lang="en-US" altLang="ko-KR" sz="1400" dirty="0" smtClean="0"/>
-          </a:p>
-          <a:p>
-            <a:pPr>
-              <a:buNone/>
-            </a:pPr>
-            <a:r>
-              <a:rPr lang="en-US" sz="1400" dirty="0" smtClean="0"/>
-              <a:t>            </a:t>
-            </a:r>
-            <a:r>
-              <a:rPr lang="en-US" sz="1400" dirty="0" err="1" smtClean="0"/>
-              <a:t>actionBar.hide</a:t>
-            </a:r>
-            <a:r>
-              <a:rPr lang="en-US" sz="1400" dirty="0" smtClean="0"/>
-              <a:t>();</a:t>
+              <a:rPr lang="en-US" altLang="ko-KR" sz="1400" dirty="0" smtClean="0"/>
+              <a:t>    }</a:t>
             </a:r>
           </a:p>
           <a:p>
@@ -4745,15 +4950,204 @@
             <a:pPr>
               <a:buNone/>
             </a:pPr>
-            <a:endParaRPr lang="en-US" altLang="ko-KR" sz="1400" dirty="0" smtClean="0"/>
+            <a:r>
+              <a:rPr lang="en-US" altLang="ko-KR" sz="1800" dirty="0" smtClean="0"/>
+              <a:t>    </a:t>
+            </a:r>
+            <a:r>
+              <a:rPr lang="en-US" sz="1800" dirty="0" smtClean="0"/>
+              <a:t>Handler </a:t>
+            </a:r>
+            <a:r>
+              <a:rPr lang="en-US" sz="1800" dirty="0" err="1" smtClean="0"/>
+              <a:t>handler</a:t>
+            </a:r>
+            <a:r>
+              <a:rPr lang="en-US" sz="1800" dirty="0" smtClean="0"/>
+              <a:t> = new Handler(){</a:t>
+            </a:r>
+            <a:br>
+              <a:rPr lang="en-US" sz="1800" dirty="0" smtClean="0"/>
+            </a:br>
+            <a:r>
+              <a:rPr lang="en-US" sz="1800" dirty="0" smtClean="0"/>
+              <a:t>    @Override</a:t>
+            </a:r>
+            <a:br>
+              <a:rPr lang="en-US" sz="1800" dirty="0" smtClean="0"/>
+            </a:br>
+            <a:r>
+              <a:rPr lang="en-US" sz="1800" dirty="0" smtClean="0"/>
+              <a:t>    public void </a:t>
+            </a:r>
+            <a:r>
+              <a:rPr lang="en-US" sz="1800" dirty="0" err="1" smtClean="0"/>
+              <a:t>handleMessage</a:t>
+            </a:r>
+            <a:r>
+              <a:rPr lang="en-US" sz="1800" dirty="0" smtClean="0"/>
+              <a:t>(Message </a:t>
+            </a:r>
+            <a:r>
+              <a:rPr lang="en-US" sz="1800" dirty="0" err="1" smtClean="0"/>
+              <a:t>msg</a:t>
+            </a:r>
+            <a:r>
+              <a:rPr lang="en-US" sz="1800" dirty="0" smtClean="0"/>
+              <a:t>) {</a:t>
+            </a:r>
+            <a:br>
+              <a:rPr lang="en-US" sz="1800" dirty="0" smtClean="0"/>
+            </a:br>
+            <a:r>
+              <a:rPr lang="en-US" sz="1800" dirty="0" smtClean="0"/>
+              <a:t>        </a:t>
+            </a:r>
+            <a:r>
+              <a:rPr lang="en-US" sz="1800" dirty="0" err="1" smtClean="0"/>
+              <a:t>super.handleMessage</a:t>
+            </a:r>
+            <a:r>
+              <a:rPr lang="en-US" sz="1800" dirty="0" smtClean="0"/>
+              <a:t>(</a:t>
+            </a:r>
+            <a:r>
+              <a:rPr lang="en-US" sz="1800" dirty="0" err="1" smtClean="0"/>
+              <a:t>msg</a:t>
+            </a:r>
+            <a:r>
+              <a:rPr lang="en-US" sz="1800" dirty="0" smtClean="0"/>
+              <a:t>);</a:t>
+            </a:r>
+            <a:br>
+              <a:rPr lang="en-US" sz="1800" dirty="0" smtClean="0"/>
+            </a:br>
+            <a:r>
+              <a:rPr lang="en-US" sz="1800" dirty="0" smtClean="0"/>
+              <a:t/>
+            </a:r>
+            <a:br>
+              <a:rPr lang="en-US" sz="1800" dirty="0" smtClean="0"/>
+            </a:br>
+            <a:r>
+              <a:rPr lang="en-US" sz="1800" dirty="0" smtClean="0"/>
+              <a:t>        </a:t>
+            </a:r>
+            <a:r>
+              <a:rPr lang="en-US" sz="1800" dirty="0" err="1" smtClean="0"/>
+              <a:t>progressBar.setProgress</a:t>
+            </a:r>
+            <a:r>
+              <a:rPr lang="en-US" sz="1800" dirty="0" smtClean="0"/>
+              <a:t>(90);</a:t>
+            </a:r>
+            <a:br>
+              <a:rPr lang="en-US" sz="1800" dirty="0" smtClean="0"/>
+            </a:br>
+            <a:r>
+              <a:rPr lang="en-US" sz="1800" dirty="0" smtClean="0"/>
+              <a:t>    }</a:t>
+            </a:r>
+            <a:br>
+              <a:rPr lang="en-US" sz="1800" dirty="0" smtClean="0"/>
+            </a:br>
+            <a:r>
+              <a:rPr lang="en-US" sz="1800" dirty="0" smtClean="0"/>
+              <a:t>};</a:t>
+            </a:r>
+            <a:endParaRPr lang="en-US" altLang="ko-KR" sz="1800" dirty="0" smtClean="0"/>
           </a:p>
           <a:p>
             <a:pPr>
               <a:buNone/>
             </a:pPr>
+            <a:endParaRPr lang="ko-KR" altLang="en-US" sz="1800" dirty="0"/>
+          </a:p>
+        </p:txBody>
+      </p:sp>
+    </p:spTree>
+  </p:cSld>
+  <p:clrMapOvr>
+    <a:masterClrMapping/>
+  </p:clrMapOvr>
+</p:sld>
+</file>
+
+<file path=ppt/slides/slide19.xml><?xml version="1.0" encoding="utf-8"?>
+<p:sld xmlns:a="http://schemas.openxmlformats.org/drawingml/2006/main" xmlns:r="http://schemas.openxmlformats.org/officeDocument/2006/relationships" xmlns:p="http://schemas.openxmlformats.org/presentationml/2006/main">
+  <p:cSld>
+    <p:spTree>
+      <p:nvGrpSpPr>
+        <p:cNvPr id="1" name=""/>
+        <p:cNvGrpSpPr/>
+        <p:nvPr/>
+      </p:nvGrpSpPr>
+      <p:grpSpPr>
+        <a:xfrm>
+          <a:off x="0" y="0"/>
+          <a:ext cx="0" cy="0"/>
+          <a:chOff x="0" y="0"/>
+          <a:chExt cx="0" cy="0"/>
+        </a:xfrm>
+      </p:grpSpPr>
+      <p:sp>
+        <p:nvSpPr>
+          <p:cNvPr id="2" name="제목 1"/>
+          <p:cNvSpPr>
+            <a:spLocks noGrp="1"/>
+          </p:cNvSpPr>
+          <p:nvPr>
+            <p:ph type="title"/>
+          </p:nvPr>
+        </p:nvSpPr>
+        <p:spPr/>
+        <p:txBody>
+          <a:bodyPr/>
+          <a:lstStyle/>
+          <a:p>
+            <a:r>
+              <a:rPr lang="ko-KR" altLang="en-US" dirty="0" smtClean="0"/>
+              <a:t>리스</a:t>
+            </a:r>
+            <a:r>
+              <a:rPr lang="ko-KR" altLang="en-US" dirty="0" smtClean="0"/>
+              <a:t>트</a:t>
+            </a:r>
+            <a:r>
+              <a:rPr lang="ko-KR" altLang="en-US" dirty="0" smtClean="0"/>
+              <a:t> </a:t>
+            </a:r>
+            <a:r>
+              <a:rPr lang="ko-KR" altLang="en-US" dirty="0" smtClean="0"/>
+              <a:t>만들기</a:t>
+            </a:r>
+            <a:endParaRPr lang="ko-KR" altLang="en-US" dirty="0"/>
+          </a:p>
+        </p:txBody>
+      </p:sp>
+      <p:sp>
+        <p:nvSpPr>
+          <p:cNvPr id="3" name="내용 개체 틀 2"/>
+          <p:cNvSpPr>
+            <a:spLocks noGrp="1"/>
+          </p:cNvSpPr>
+          <p:nvPr>
+            <p:ph idx="1"/>
+          </p:nvPr>
+        </p:nvSpPr>
+        <p:spPr/>
+        <p:txBody>
+          <a:bodyPr>
+            <a:normAutofit/>
+          </a:bodyPr>
+          <a:lstStyle/>
+          <a:p>
+            <a:pPr>
+              <a:buNone/>
+            </a:pPr>
             <a:r>
               <a:rPr lang="en-US" altLang="ko-KR" sz="1800" dirty="0" err="1" smtClean="0"/>
-              <a:t>StatusBar</a:t>
+              <a:t>BaseAdapter</a:t>
             </a:r>
             <a:r>
               <a:rPr lang="en-US" altLang="ko-KR" sz="1800" dirty="0" smtClean="0"/>
@@ -4761,7 +5155,7 @@
             </a:r>
             <a:r>
               <a:rPr lang="ko-KR" altLang="en-US" sz="1800" dirty="0" smtClean="0"/>
-              <a:t>없애기</a:t>
+              <a:t>만들기</a:t>
             </a:r>
             <a:endParaRPr lang="en-US" altLang="ko-KR" sz="1800" dirty="0" smtClean="0"/>
           </a:p>
@@ -4769,17 +5163,23 @@
             <a:pPr>
               <a:buNone/>
             </a:pPr>
-            <a:r>
-              <a:rPr lang="en-US" altLang="ko-KR" sz="1400" dirty="0" smtClean="0"/>
-              <a:t>	</a:t>
+            <a:endParaRPr lang="en-US" altLang="ko-KR" sz="1800" dirty="0" smtClean="0"/>
+          </a:p>
+          <a:p>
+            <a:pPr>
+              <a:buNone/>
+            </a:pPr>
+            <a:r>
+              <a:rPr lang="ko-KR" altLang="en-US" sz="1800" dirty="0" smtClean="0"/>
+              <a:t>리스트 아이템 </a:t>
             </a:r>
             <a:r>
               <a:rPr lang="en-US" altLang="ko-KR" sz="1800" dirty="0" smtClean="0"/>
-              <a:t>- xml </a:t>
+              <a:t>xml </a:t>
             </a:r>
             <a:r>
               <a:rPr lang="ko-KR" altLang="en-US" sz="1800" dirty="0" smtClean="0"/>
-              <a:t>이용</a:t>
+              <a:t>만들기</a:t>
             </a:r>
             <a:endParaRPr lang="en-US" altLang="ko-KR" sz="1800" dirty="0" smtClean="0"/>
           </a:p>
@@ -4787,21 +5187,31 @@
             <a:pPr>
               <a:buNone/>
             </a:pPr>
+            <a:endParaRPr lang="en-US" altLang="ko-KR" sz="1800" dirty="0" smtClean="0"/>
+          </a:p>
+          <a:p>
+            <a:pPr>
+              <a:buNone/>
+            </a:pPr>
+            <a:r>
+              <a:rPr lang="en-US" altLang="ko-KR" sz="1800" dirty="0" err="1" smtClean="0"/>
+              <a:t>getView</a:t>
+            </a:r>
             <a:r>
               <a:rPr lang="en-US" altLang="ko-KR" sz="1800" dirty="0" smtClean="0"/>
-              <a:t>	</a:t>
+              <a:t>() </a:t>
+            </a:r>
+            <a:r>
+              <a:rPr lang="ko-KR" altLang="en-US" sz="1800" dirty="0" smtClean="0"/>
+              <a:t>에서 </a:t>
             </a:r>
             <a:r>
               <a:rPr lang="en-US" altLang="ko-KR" sz="1800" dirty="0" smtClean="0"/>
-              <a:t>	</a:t>
-            </a:r>
-            <a:r>
-              <a:rPr lang="en-US" altLang="ko-KR" sz="1800" dirty="0" smtClean="0"/>
-              <a:t>style.xml</a:t>
+              <a:t>inflation </a:t>
             </a:r>
             <a:r>
               <a:rPr lang="ko-KR" altLang="en-US" sz="1800" dirty="0" smtClean="0"/>
-              <a:t>에 스타일 추가</a:t>
+              <a:t>하기</a:t>
             </a:r>
             <a:endParaRPr lang="en-US" altLang="ko-KR" sz="1800" dirty="0" smtClean="0"/>
           </a:p>
@@ -4811,84 +5221,64 @@
             </a:pPr>
             <a:r>
               <a:rPr lang="en-US" sz="1800" dirty="0" smtClean="0"/>
-              <a:t>		&lt;item name</a:t>
-            </a:r>
-            <a:r>
-              <a:rPr lang="en-US" sz="1800" dirty="0" smtClean="0"/>
-              <a:t>=“</a:t>
+              <a:t>     (</a:t>
             </a:r>
             <a:r>
               <a:rPr lang="en-US" sz="1800" dirty="0" err="1" smtClean="0"/>
-              <a:t>android:windowFullscreen</a:t>
-            </a:r>
-            <a:r>
-              <a:rPr lang="en-US" sz="1800" dirty="0" smtClean="0"/>
-              <a:t>"&gt;</a:t>
-            </a:r>
-            <a:r>
-              <a:rPr lang="en-US" sz="1800" dirty="0" smtClean="0"/>
-              <a:t>true&lt;/item</a:t>
-            </a:r>
-            <a:r>
-              <a:rPr lang="en-US" sz="1800" dirty="0" smtClean="0"/>
-              <a:t>&gt;</a:t>
-            </a:r>
+              <a:t>LayoutInflater</a:t>
+            </a:r>
+            <a:r>
+              <a:rPr lang="en-US" sz="1800" dirty="0" smtClean="0"/>
+              <a:t>)</a:t>
+            </a:r>
+            <a:r>
+              <a:rPr lang="en-US" sz="1800" dirty="0" err="1" smtClean="0"/>
+              <a:t>getSystemService</a:t>
+            </a:r>
+            <a:r>
+              <a:rPr lang="en-US" sz="1800" dirty="0" smtClean="0"/>
+              <a:t>(</a:t>
+            </a:r>
+            <a:r>
+              <a:rPr lang="en-US" sz="1800" dirty="0" err="1" smtClean="0"/>
+              <a:t>Context.</a:t>
+            </a:r>
+            <a:r>
+              <a:rPr lang="en-US" sz="1800" i="1" dirty="0" err="1" smtClean="0"/>
+              <a:t>LAYOUT_INFLATER_SERVICE</a:t>
+            </a:r>
+            <a:r>
+              <a:rPr lang="en-US" sz="1800" dirty="0" smtClean="0"/>
+              <a:t>)</a:t>
+            </a:r>
+            <a:endParaRPr lang="en-US" altLang="ko-KR" sz="1800" dirty="0" smtClean="0"/>
           </a:p>
           <a:p>
             <a:pPr>
               <a:buNone/>
             </a:pPr>
-            <a:r>
-              <a:rPr lang="en-US" sz="1800" dirty="0" smtClean="0"/>
-              <a:t>	- JAVA </a:t>
+            <a:endParaRPr lang="en-US" altLang="ko-KR" sz="1800" dirty="0" smtClean="0"/>
+          </a:p>
+          <a:p>
+            <a:pPr>
+              <a:buNone/>
+            </a:pPr>
+            <a:r>
+              <a:rPr lang="ko-KR" altLang="en-US" sz="1800" dirty="0" err="1" smtClean="0"/>
+              <a:t>리스트뷰에서</a:t>
             </a:r>
             <a:r>
               <a:rPr lang="ko-KR" altLang="en-US" sz="1800" dirty="0" smtClean="0"/>
-              <a:t>코드 이용</a:t>
-            </a:r>
-            <a:endParaRPr lang="en-US" altLang="ko-KR" sz="1800" dirty="0" smtClean="0"/>
-          </a:p>
-          <a:p>
-            <a:pPr>
-              <a:buNone/>
-            </a:pPr>
-            <a:r>
-              <a:rPr lang="en-US" sz="1800" dirty="0" smtClean="0"/>
               <a:t> </a:t>
             </a:r>
             <a:r>
-              <a:rPr lang="en-US" sz="1800" dirty="0" smtClean="0"/>
-              <a:t>           </a:t>
-            </a:r>
-            <a:r>
-              <a:rPr lang="en-US" sz="1400" dirty="0" err="1" smtClean="0"/>
-              <a:t>this.getWindow</a:t>
-            </a:r>
-            <a:r>
-              <a:rPr lang="en-US" sz="1400" dirty="0" smtClean="0"/>
-              <a:t>().</a:t>
-            </a:r>
-            <a:r>
-              <a:rPr lang="en-US" sz="1400" dirty="0" err="1" smtClean="0"/>
-              <a:t>addFlags</a:t>
-            </a:r>
-            <a:r>
-              <a:rPr lang="en-US" sz="1400" dirty="0" smtClean="0"/>
-              <a:t>(</a:t>
-            </a:r>
-            <a:r>
-              <a:rPr lang="en-US" sz="1400" i="1" dirty="0" smtClean="0"/>
-              <a:t>FLAG_FULLSCREEN</a:t>
-            </a:r>
-            <a:r>
-              <a:rPr lang="en-US" sz="1400" dirty="0" smtClean="0"/>
-              <a:t>);</a:t>
-            </a:r>
-          </a:p>
-          <a:p>
-            <a:pPr>
-              <a:buNone/>
-            </a:pPr>
+              <a:rPr lang="en-US" altLang="ko-KR" sz="1800" dirty="0" err="1" smtClean="0"/>
+              <a:t>setAdapter</a:t>
+            </a:r>
+            <a:r>
+              <a:rPr lang="ko-KR" altLang="en-US" sz="1800" dirty="0" smtClean="0"/>
+              <a:t>하기</a:t>
+            </a:r>
             <a:endParaRPr lang="ko-KR" altLang="en-US" sz="1800" dirty="0"/>
           </a:p>
         </p:txBody>
@@ -5029,6 +5419,806 @@
           <a:effectLst/>
         </p:spPr>
       </p:pic>
+    </p:spTree>
+  </p:cSld>
+  <p:clrMapOvr>
+    <a:masterClrMapping/>
+  </p:clrMapOvr>
+</p:sld>
+</file>
+
+<file path=ppt/slides/slide20.xml><?xml version="1.0" encoding="utf-8"?>
+<p:sld xmlns:a="http://schemas.openxmlformats.org/drawingml/2006/main" xmlns:r="http://schemas.openxmlformats.org/officeDocument/2006/relationships" xmlns:p="http://schemas.openxmlformats.org/presentationml/2006/main">
+  <p:cSld>
+    <p:spTree>
+      <p:nvGrpSpPr>
+        <p:cNvPr id="1" name=""/>
+        <p:cNvGrpSpPr/>
+        <p:nvPr/>
+      </p:nvGrpSpPr>
+      <p:grpSpPr>
+        <a:xfrm>
+          <a:off x="0" y="0"/>
+          <a:ext cx="0" cy="0"/>
+          <a:chOff x="0" y="0"/>
+          <a:chExt cx="0" cy="0"/>
+        </a:xfrm>
+      </p:grpSpPr>
+      <p:sp>
+        <p:nvSpPr>
+          <p:cNvPr id="2" name="제목 1"/>
+          <p:cNvSpPr>
+            <a:spLocks noGrp="1"/>
+          </p:cNvSpPr>
+          <p:nvPr>
+            <p:ph type="title"/>
+          </p:nvPr>
+        </p:nvSpPr>
+        <p:spPr/>
+        <p:txBody>
+          <a:bodyPr/>
+          <a:lstStyle/>
+          <a:p>
+            <a:r>
+              <a:rPr lang="ko-KR" altLang="en-US" dirty="0" smtClean="0"/>
+              <a:t>메뉴 </a:t>
+            </a:r>
+            <a:r>
+              <a:rPr lang="ko-KR" altLang="en-US" dirty="0" smtClean="0"/>
+              <a:t>만들기</a:t>
+            </a:r>
+            <a:endParaRPr lang="ko-KR" altLang="en-US" dirty="0"/>
+          </a:p>
+        </p:txBody>
+      </p:sp>
+      <p:sp>
+        <p:nvSpPr>
+          <p:cNvPr id="3" name="내용 개체 틀 2"/>
+          <p:cNvSpPr>
+            <a:spLocks noGrp="1"/>
+          </p:cNvSpPr>
+          <p:nvPr>
+            <p:ph idx="1"/>
+          </p:nvPr>
+        </p:nvSpPr>
+        <p:spPr/>
+        <p:txBody>
+          <a:bodyPr>
+            <a:normAutofit fontScale="70000" lnSpcReduction="20000"/>
+          </a:bodyPr>
+          <a:lstStyle/>
+          <a:p>
+            <a:pPr>
+              <a:buNone/>
+            </a:pPr>
+            <a:r>
+              <a:rPr lang="en-US" altLang="ko-KR" sz="1800" dirty="0" smtClean="0"/>
+              <a:t>Res </a:t>
+            </a:r>
+            <a:r>
+              <a:rPr lang="ko-KR" altLang="en-US" sz="1800" dirty="0" smtClean="0"/>
+              <a:t>에서 </a:t>
+            </a:r>
+            <a:r>
+              <a:rPr lang="en-US" altLang="ko-KR" sz="1800" dirty="0" smtClean="0"/>
+              <a:t>menu</a:t>
+            </a:r>
+            <a:r>
+              <a:rPr lang="ko-KR" altLang="en-US" sz="1800" dirty="0" smtClean="0"/>
+              <a:t>폴더 만들기</a:t>
+            </a:r>
+            <a:endParaRPr lang="en-US" altLang="ko-KR" sz="1800" dirty="0" smtClean="0"/>
+          </a:p>
+          <a:p>
+            <a:pPr>
+              <a:buNone/>
+            </a:pPr>
+            <a:endParaRPr lang="en-US" altLang="ko-KR" sz="1800" dirty="0" smtClean="0"/>
+          </a:p>
+          <a:p>
+            <a:pPr>
+              <a:buNone/>
+            </a:pPr>
+            <a:r>
+              <a:rPr lang="en-US" altLang="ko-KR" sz="1800" dirty="0" smtClean="0"/>
+              <a:t>Menu</a:t>
+            </a:r>
+            <a:r>
+              <a:rPr lang="ko-KR" altLang="en-US" sz="1800" dirty="0" smtClean="0"/>
+              <a:t>폴더에서 </a:t>
+            </a:r>
+            <a:r>
+              <a:rPr lang="en-US" altLang="ko-KR" sz="1800" dirty="0" smtClean="0"/>
+              <a:t>menu xml </a:t>
+            </a:r>
+            <a:r>
+              <a:rPr lang="ko-KR" altLang="en-US" sz="1800" dirty="0" smtClean="0"/>
+              <a:t>파일 만들기</a:t>
+            </a:r>
+            <a:endParaRPr lang="en-US" altLang="ko-KR" sz="1800" dirty="0" smtClean="0"/>
+          </a:p>
+          <a:p>
+            <a:pPr>
+              <a:buNone/>
+            </a:pPr>
+            <a:endParaRPr lang="en-US" altLang="ko-KR" sz="1800" dirty="0" smtClean="0"/>
+          </a:p>
+          <a:p>
+            <a:pPr>
+              <a:buNone/>
+            </a:pPr>
+            <a:r>
+              <a:rPr lang="en-US" sz="1800" dirty="0" smtClean="0"/>
+              <a:t>&lt;menu </a:t>
+            </a:r>
+            <a:r>
+              <a:rPr lang="en-US" sz="1800" dirty="0" err="1" smtClean="0"/>
+              <a:t>xmlns:android</a:t>
+            </a:r>
+            <a:r>
+              <a:rPr lang="en-US" sz="1800" dirty="0" smtClean="0"/>
+              <a:t>="http://schemas.android.com/apk/res/android"</a:t>
+            </a:r>
+            <a:br>
+              <a:rPr lang="en-US" sz="1800" dirty="0" smtClean="0"/>
+            </a:br>
+            <a:r>
+              <a:rPr lang="en-US" sz="1800" dirty="0" smtClean="0"/>
+              <a:t>    </a:t>
+            </a:r>
+            <a:r>
+              <a:rPr lang="en-US" sz="1800" dirty="0" err="1" smtClean="0"/>
+              <a:t>xmlns:app</a:t>
+            </a:r>
+            <a:r>
+              <a:rPr lang="en-US" sz="1800" dirty="0" smtClean="0"/>
+              <a:t>="http://schemas.android.com/apk/res-auto"&gt;</a:t>
+            </a:r>
+            <a:br>
+              <a:rPr lang="en-US" sz="1800" dirty="0" smtClean="0"/>
+            </a:br>
+            <a:r>
+              <a:rPr lang="en-US" sz="1800" dirty="0" smtClean="0"/>
+              <a:t>    &lt;item</a:t>
+            </a:r>
+            <a:br>
+              <a:rPr lang="en-US" sz="1800" dirty="0" smtClean="0"/>
+            </a:br>
+            <a:r>
+              <a:rPr lang="en-US" sz="1800" dirty="0" smtClean="0"/>
+              <a:t>        </a:t>
+            </a:r>
+            <a:r>
+              <a:rPr lang="en-US" sz="1800" dirty="0" err="1" smtClean="0"/>
+              <a:t>android:id</a:t>
+            </a:r>
+            <a:r>
+              <a:rPr lang="en-US" sz="1800" dirty="0" smtClean="0"/>
+              <a:t>="@+id/</a:t>
+            </a:r>
+            <a:r>
+              <a:rPr lang="en-US" sz="1800" dirty="0" err="1" smtClean="0"/>
+              <a:t>menu_login</a:t>
+            </a:r>
+            <a:r>
+              <a:rPr lang="en-US" sz="1800" dirty="0" smtClean="0"/>
+              <a:t>"</a:t>
+            </a:r>
+            <a:br>
+              <a:rPr lang="en-US" sz="1800" dirty="0" smtClean="0"/>
+            </a:br>
+            <a:r>
+              <a:rPr lang="en-US" sz="1800" dirty="0" smtClean="0"/>
+              <a:t>        </a:t>
+            </a:r>
+            <a:r>
+              <a:rPr lang="en-US" sz="1800" dirty="0" err="1" smtClean="0"/>
+              <a:t>android:orderInCategory</a:t>
+            </a:r>
+            <a:r>
+              <a:rPr lang="en-US" sz="1800" dirty="0" smtClean="0"/>
+              <a:t>="3"</a:t>
+            </a:r>
+            <a:br>
+              <a:rPr lang="en-US" sz="1800" dirty="0" smtClean="0"/>
+            </a:br>
+            <a:r>
+              <a:rPr lang="en-US" sz="1800" dirty="0" smtClean="0"/>
+              <a:t>        </a:t>
+            </a:r>
+            <a:r>
+              <a:rPr lang="en-US" sz="1800" dirty="0" err="1" smtClean="0"/>
+              <a:t>android:title</a:t>
+            </a:r>
+            <a:r>
+              <a:rPr lang="en-US" sz="1800" dirty="0" smtClean="0"/>
+              <a:t>="</a:t>
+            </a:r>
+            <a:r>
+              <a:rPr lang="ko-KR" altLang="en-US" sz="1800" dirty="0" smtClean="0"/>
+              <a:t>로그인</a:t>
+            </a:r>
+            <a:r>
+              <a:rPr lang="en-US" altLang="ko-KR" sz="1800" dirty="0" smtClean="0"/>
+              <a:t>"</a:t>
+            </a:r>
+            <a:br>
+              <a:rPr lang="en-US" altLang="ko-KR" sz="1800" dirty="0" smtClean="0"/>
+            </a:br>
+            <a:r>
+              <a:rPr lang="en-US" altLang="ko-KR" sz="1800" dirty="0" smtClean="0"/>
+              <a:t>        /&gt;</a:t>
+            </a:r>
+            <a:br>
+              <a:rPr lang="en-US" altLang="ko-KR" sz="1800" dirty="0" smtClean="0"/>
+            </a:br>
+            <a:r>
+              <a:rPr lang="en-US" altLang="ko-KR" sz="1800" dirty="0" smtClean="0"/>
+              <a:t/>
+            </a:r>
+            <a:br>
+              <a:rPr lang="en-US" altLang="ko-KR" sz="1800" dirty="0" smtClean="0"/>
+            </a:br>
+            <a:r>
+              <a:rPr lang="en-US" altLang="ko-KR" sz="1800" dirty="0" smtClean="0"/>
+              <a:t>    &lt;</a:t>
+            </a:r>
+            <a:r>
+              <a:rPr lang="en-US" sz="1800" dirty="0" smtClean="0"/>
+              <a:t>item</a:t>
+            </a:r>
+            <a:br>
+              <a:rPr lang="en-US" sz="1800" dirty="0" smtClean="0"/>
+            </a:br>
+            <a:r>
+              <a:rPr lang="en-US" sz="1800" dirty="0" smtClean="0"/>
+              <a:t>        </a:t>
+            </a:r>
+            <a:r>
+              <a:rPr lang="en-US" sz="1800" dirty="0" err="1" smtClean="0"/>
+              <a:t>android:id</a:t>
+            </a:r>
+            <a:r>
+              <a:rPr lang="en-US" sz="1800" dirty="0" smtClean="0"/>
+              <a:t>="@+id/</a:t>
+            </a:r>
+            <a:r>
+              <a:rPr lang="en-US" sz="1800" dirty="0" err="1" smtClean="0"/>
+              <a:t>menu_logout</a:t>
+            </a:r>
+            <a:r>
+              <a:rPr lang="en-US" sz="1800" dirty="0" smtClean="0"/>
+              <a:t>"</a:t>
+            </a:r>
+            <a:br>
+              <a:rPr lang="en-US" sz="1800" dirty="0" smtClean="0"/>
+            </a:br>
+            <a:r>
+              <a:rPr lang="en-US" sz="1800" dirty="0" smtClean="0"/>
+              <a:t>        </a:t>
+            </a:r>
+            <a:r>
+              <a:rPr lang="en-US" sz="1800" dirty="0" err="1" smtClean="0"/>
+              <a:t>android:orderInCategory</a:t>
+            </a:r>
+            <a:r>
+              <a:rPr lang="en-US" sz="1800" dirty="0" smtClean="0"/>
+              <a:t>="2"</a:t>
+            </a:r>
+            <a:br>
+              <a:rPr lang="en-US" sz="1800" dirty="0" smtClean="0"/>
+            </a:br>
+            <a:r>
+              <a:rPr lang="en-US" sz="1800" dirty="0" smtClean="0"/>
+              <a:t>        </a:t>
+            </a:r>
+            <a:r>
+              <a:rPr lang="en-US" sz="1800" dirty="0" err="1" smtClean="0"/>
+              <a:t>android:title</a:t>
+            </a:r>
+            <a:r>
+              <a:rPr lang="en-US" sz="1800" dirty="0" smtClean="0"/>
+              <a:t>="</a:t>
+            </a:r>
+            <a:r>
+              <a:rPr lang="ko-KR" altLang="en-US" sz="1800" dirty="0" smtClean="0"/>
+              <a:t>로그아웃</a:t>
+            </a:r>
+            <a:r>
+              <a:rPr lang="en-US" altLang="ko-KR" sz="1800" dirty="0" smtClean="0"/>
+              <a:t>"</a:t>
+            </a:r>
+            <a:br>
+              <a:rPr lang="en-US" altLang="ko-KR" sz="1800" dirty="0" smtClean="0"/>
+            </a:br>
+            <a:r>
+              <a:rPr lang="en-US" altLang="ko-KR" sz="1800" dirty="0" smtClean="0"/>
+              <a:t>        /&gt;</a:t>
+            </a:r>
+            <a:br>
+              <a:rPr lang="en-US" altLang="ko-KR" sz="1800" dirty="0" smtClean="0"/>
+            </a:br>
+            <a:r>
+              <a:rPr lang="en-US" altLang="ko-KR" sz="1800" dirty="0" smtClean="0"/>
+              <a:t>    &lt;</a:t>
+            </a:r>
+            <a:r>
+              <a:rPr lang="en-US" sz="1800" dirty="0" smtClean="0"/>
+              <a:t>item</a:t>
+            </a:r>
+            <a:br>
+              <a:rPr lang="en-US" sz="1800" dirty="0" smtClean="0"/>
+            </a:br>
+            <a:r>
+              <a:rPr lang="en-US" sz="1800" dirty="0" smtClean="0"/>
+              <a:t>        </a:t>
+            </a:r>
+            <a:r>
+              <a:rPr lang="en-US" sz="1800" dirty="0" err="1" smtClean="0"/>
+              <a:t>android:id</a:t>
+            </a:r>
+            <a:r>
+              <a:rPr lang="en-US" sz="1800" dirty="0" smtClean="0"/>
+              <a:t>="@+id/</a:t>
+            </a:r>
+            <a:r>
+              <a:rPr lang="en-US" sz="1800" dirty="0" err="1" smtClean="0"/>
+              <a:t>menu_a</a:t>
+            </a:r>
+            <a:r>
+              <a:rPr lang="en-US" sz="1800" dirty="0" smtClean="0"/>
+              <a:t>"</a:t>
+            </a:r>
+            <a:br>
+              <a:rPr lang="en-US" sz="1800" dirty="0" smtClean="0"/>
+            </a:br>
+            <a:r>
+              <a:rPr lang="en-US" sz="1800" dirty="0" smtClean="0"/>
+              <a:t>        </a:t>
+            </a:r>
+            <a:r>
+              <a:rPr lang="en-US" sz="1800" dirty="0" err="1" smtClean="0"/>
+              <a:t>android:orderInCategory</a:t>
+            </a:r>
+            <a:r>
+              <a:rPr lang="en-US" sz="1800" dirty="0" smtClean="0"/>
+              <a:t>="1"</a:t>
+            </a:r>
+            <a:br>
+              <a:rPr lang="en-US" sz="1800" dirty="0" smtClean="0"/>
+            </a:br>
+            <a:r>
+              <a:rPr lang="en-US" sz="1800" dirty="0" smtClean="0"/>
+              <a:t>        </a:t>
+            </a:r>
+            <a:r>
+              <a:rPr lang="en-US" sz="1800" dirty="0" err="1" smtClean="0"/>
+              <a:t>android:title</a:t>
+            </a:r>
+            <a:r>
+              <a:rPr lang="en-US" sz="1800" dirty="0" smtClean="0"/>
+              <a:t>="</a:t>
+            </a:r>
+            <a:r>
+              <a:rPr lang="ko-KR" altLang="en-US" sz="1800" dirty="0" smtClean="0"/>
+              <a:t>다음</a:t>
+            </a:r>
+            <a:r>
+              <a:rPr lang="en-US" altLang="ko-KR" sz="1800" dirty="0" smtClean="0"/>
+              <a:t>"</a:t>
+            </a:r>
+            <a:br>
+              <a:rPr lang="en-US" altLang="ko-KR" sz="1800" dirty="0" smtClean="0"/>
+            </a:br>
+            <a:r>
+              <a:rPr lang="en-US" altLang="ko-KR" sz="1800" dirty="0" smtClean="0"/>
+              <a:t>        </a:t>
+            </a:r>
+            <a:r>
+              <a:rPr lang="en-US" sz="1800" dirty="0" err="1" smtClean="0"/>
+              <a:t>app:showAsAction</a:t>
+            </a:r>
+            <a:r>
+              <a:rPr lang="en-US" sz="1800" dirty="0" smtClean="0"/>
+              <a:t>="</a:t>
+            </a:r>
+            <a:r>
+              <a:rPr lang="en-US" sz="1800" dirty="0" err="1" smtClean="0"/>
+              <a:t>ifRoom</a:t>
+            </a:r>
+            <a:r>
+              <a:rPr lang="en-US" sz="1800" dirty="0" smtClean="0"/>
+              <a:t>"</a:t>
+            </a:r>
+            <a:br>
+              <a:rPr lang="en-US" sz="1800" dirty="0" smtClean="0"/>
+            </a:br>
+            <a:r>
+              <a:rPr lang="en-US" sz="1800" dirty="0" smtClean="0"/>
+              <a:t>        /&gt;</a:t>
+            </a:r>
+            <a:br>
+              <a:rPr lang="en-US" sz="1800" dirty="0" smtClean="0"/>
+            </a:br>
+            <a:r>
+              <a:rPr lang="en-US" sz="1800" dirty="0" smtClean="0"/>
+              <a:t>&lt;/menu</a:t>
+            </a:r>
+            <a:r>
+              <a:rPr lang="en-US" sz="1800" dirty="0" smtClean="0"/>
+              <a:t>&gt;</a:t>
+            </a:r>
+          </a:p>
+          <a:p>
+            <a:pPr>
+              <a:buNone/>
+            </a:pPr>
+            <a:endParaRPr lang="en-US" altLang="ko-KR" sz="1800" dirty="0" smtClean="0"/>
+          </a:p>
+          <a:p>
+            <a:pPr>
+              <a:buNone/>
+            </a:pPr>
+            <a:r>
+              <a:rPr lang="ko-KR" altLang="en-US" sz="1800" dirty="0" smtClean="0"/>
+              <a:t>해당 </a:t>
+            </a:r>
+            <a:r>
+              <a:rPr lang="en-US" altLang="ko-KR" sz="1800" dirty="0" smtClean="0"/>
+              <a:t>Activity</a:t>
+            </a:r>
+            <a:r>
+              <a:rPr lang="ko-KR" altLang="en-US" sz="1800" dirty="0" smtClean="0"/>
+              <a:t>에서 </a:t>
+            </a:r>
+            <a:r>
+              <a:rPr lang="en-US" altLang="ko-KR" sz="1800" dirty="0" err="1" smtClean="0"/>
+              <a:t>onCreateOptionsMenu</a:t>
+            </a:r>
+            <a:r>
+              <a:rPr lang="en-US" altLang="ko-KR" sz="1800" dirty="0" smtClean="0"/>
+              <a:t>() </a:t>
+            </a:r>
+            <a:r>
+              <a:rPr lang="ko-KR" altLang="en-US" sz="1800" dirty="0" err="1" smtClean="0"/>
+              <a:t>오버라이드</a:t>
+            </a:r>
+            <a:r>
+              <a:rPr lang="ko-KR" altLang="en-US" sz="1800" dirty="0" smtClean="0"/>
+              <a:t> 하기</a:t>
+            </a:r>
+            <a:endParaRPr lang="en-US" altLang="ko-KR" sz="1800" dirty="0" smtClean="0"/>
+          </a:p>
+          <a:p>
+            <a:pPr>
+              <a:buNone/>
+            </a:pPr>
+            <a:endParaRPr lang="ko-KR" altLang="en-US" sz="1800" dirty="0"/>
+          </a:p>
+        </p:txBody>
+      </p:sp>
+    </p:spTree>
+  </p:cSld>
+  <p:clrMapOvr>
+    <a:masterClrMapping/>
+  </p:clrMapOvr>
+</p:sld>
+</file>
+
+<file path=ppt/slides/slide21.xml><?xml version="1.0" encoding="utf-8"?>
+<p:sld xmlns:a="http://schemas.openxmlformats.org/drawingml/2006/main" xmlns:r="http://schemas.openxmlformats.org/officeDocument/2006/relationships" xmlns:p="http://schemas.openxmlformats.org/presentationml/2006/main">
+  <p:cSld>
+    <p:spTree>
+      <p:nvGrpSpPr>
+        <p:cNvPr id="1" name=""/>
+        <p:cNvGrpSpPr/>
+        <p:nvPr/>
+      </p:nvGrpSpPr>
+      <p:grpSpPr>
+        <a:xfrm>
+          <a:off x="0" y="0"/>
+          <a:ext cx="0" cy="0"/>
+          <a:chOff x="0" y="0"/>
+          <a:chExt cx="0" cy="0"/>
+        </a:xfrm>
+      </p:grpSpPr>
+      <p:sp>
+        <p:nvSpPr>
+          <p:cNvPr id="2" name="제목 1"/>
+          <p:cNvSpPr>
+            <a:spLocks noGrp="1"/>
+          </p:cNvSpPr>
+          <p:nvPr>
+            <p:ph type="title"/>
+          </p:nvPr>
+        </p:nvSpPr>
+        <p:spPr/>
+        <p:txBody>
+          <a:bodyPr/>
+          <a:lstStyle/>
+          <a:p>
+            <a:r>
+              <a:rPr lang="ko-KR" altLang="en-US" dirty="0" smtClean="0"/>
+              <a:t>메뉴 </a:t>
+            </a:r>
+            <a:r>
+              <a:rPr lang="ko-KR" altLang="en-US" dirty="0" smtClean="0"/>
+              <a:t>만들기</a:t>
+            </a:r>
+            <a:endParaRPr lang="ko-KR" altLang="en-US" dirty="0"/>
+          </a:p>
+        </p:txBody>
+      </p:sp>
+      <p:sp>
+        <p:nvSpPr>
+          <p:cNvPr id="3" name="내용 개체 틀 2"/>
+          <p:cNvSpPr>
+            <a:spLocks noGrp="1"/>
+          </p:cNvSpPr>
+          <p:nvPr>
+            <p:ph idx="1"/>
+          </p:nvPr>
+        </p:nvSpPr>
+        <p:spPr/>
+        <p:txBody>
+          <a:bodyPr>
+            <a:normAutofit/>
+          </a:bodyPr>
+          <a:lstStyle/>
+          <a:p>
+            <a:pPr>
+              <a:buNone/>
+            </a:pPr>
+            <a:r>
+              <a:rPr lang="en-US" sz="1800" dirty="0" err="1" smtClean="0"/>
+              <a:t>onOptionsItemSelected</a:t>
+            </a:r>
+            <a:r>
+              <a:rPr lang="en-US" sz="1800" dirty="0" smtClean="0"/>
+              <a:t>() </a:t>
+            </a:r>
+            <a:r>
+              <a:rPr lang="ko-KR" altLang="en-US" sz="1800" dirty="0" err="1" smtClean="0"/>
+              <a:t>오버라이드</a:t>
+            </a:r>
+            <a:r>
+              <a:rPr lang="ko-KR" altLang="en-US" sz="1800" dirty="0" smtClean="0"/>
+              <a:t> 하기</a:t>
+            </a:r>
+            <a:endParaRPr lang="en-US" altLang="ko-KR" sz="1800" dirty="0" smtClean="0"/>
+          </a:p>
+          <a:p>
+            <a:pPr>
+              <a:buNone/>
+            </a:pPr>
+            <a:endParaRPr lang="en-US" altLang="ko-KR" sz="1400" dirty="0" smtClean="0"/>
+          </a:p>
+          <a:p>
+            <a:pPr>
+              <a:buNone/>
+            </a:pPr>
+            <a:r>
+              <a:rPr lang="ko-KR" altLang="en-US" sz="1800" dirty="0" smtClean="0"/>
+              <a:t>메뉴 아이템 버튼 형태로 만들기</a:t>
+            </a:r>
+            <a:endParaRPr lang="en-US" altLang="ko-KR" sz="1800" dirty="0" smtClean="0"/>
+          </a:p>
+          <a:p>
+            <a:pPr>
+              <a:buNone/>
+            </a:pPr>
+            <a:r>
+              <a:rPr lang="en-US" altLang="ko-KR" sz="1400" dirty="0" smtClean="0"/>
+              <a:t>	 </a:t>
+            </a:r>
+            <a:r>
+              <a:rPr lang="en-US" sz="1400" dirty="0" err="1" smtClean="0"/>
+              <a:t>app:showAsAction</a:t>
+            </a:r>
+            <a:r>
+              <a:rPr lang="en-US" sz="1400" dirty="0" smtClean="0"/>
+              <a:t>="always"</a:t>
+            </a:r>
+            <a:br>
+              <a:rPr lang="en-US" sz="1400" dirty="0" smtClean="0"/>
+            </a:br>
+            <a:r>
+              <a:rPr lang="en-US" sz="1400" dirty="0" err="1" smtClean="0"/>
+              <a:t>app:actionViewClass</a:t>
+            </a:r>
+            <a:r>
+              <a:rPr lang="en-US" sz="1400" dirty="0" smtClean="0"/>
+              <a:t>="</a:t>
+            </a:r>
+            <a:r>
+              <a:rPr lang="en-US" sz="1400" dirty="0" err="1" smtClean="0"/>
+              <a:t>android.widget.Button</a:t>
+            </a:r>
+            <a:r>
+              <a:rPr lang="en-US" sz="1400" dirty="0" smtClean="0"/>
+              <a:t>“</a:t>
+            </a:r>
+          </a:p>
+          <a:p>
+            <a:pPr>
+              <a:buNone/>
+            </a:pPr>
+            <a:endParaRPr lang="en-US" sz="1400" dirty="0" smtClean="0"/>
+          </a:p>
+          <a:p>
+            <a:pPr>
+              <a:buNone/>
+            </a:pPr>
+            <a:r>
+              <a:rPr lang="en-US" sz="1400" dirty="0" smtClean="0"/>
+              <a:t>	Button </a:t>
+            </a:r>
+            <a:r>
+              <a:rPr lang="en-US" sz="1400" dirty="0" err="1" smtClean="0"/>
+              <a:t>tv</a:t>
+            </a:r>
+            <a:r>
+              <a:rPr lang="en-US" sz="1400" dirty="0" smtClean="0"/>
+              <a:t> = (Button)</a:t>
+            </a:r>
+            <a:r>
+              <a:rPr lang="en-US" sz="1400" dirty="0" err="1" smtClean="0"/>
+              <a:t>menu.findItem</a:t>
+            </a:r>
+            <a:r>
+              <a:rPr lang="en-US" sz="1400" dirty="0" smtClean="0"/>
+              <a:t>(</a:t>
+            </a:r>
+            <a:r>
+              <a:rPr lang="en-US" sz="1400" dirty="0" err="1" smtClean="0"/>
+              <a:t>R.id.</a:t>
+            </a:r>
+            <a:r>
+              <a:rPr lang="en-US" sz="1400" i="1" dirty="0" err="1" smtClean="0"/>
+              <a:t>menu_next</a:t>
+            </a:r>
+            <a:r>
+              <a:rPr lang="en-US" sz="1400" dirty="0" smtClean="0"/>
+              <a:t>).</a:t>
+            </a:r>
+            <a:r>
+              <a:rPr lang="en-US" sz="1400" dirty="0" err="1" smtClean="0"/>
+              <a:t>getActionView</a:t>
+            </a:r>
+            <a:r>
+              <a:rPr lang="en-US" sz="1400" dirty="0" smtClean="0"/>
+              <a:t>();</a:t>
+            </a:r>
+            <a:br>
+              <a:rPr lang="en-US" sz="1400" dirty="0" smtClean="0"/>
+            </a:br>
+            <a:r>
+              <a:rPr lang="en-US" sz="1400" dirty="0" err="1" smtClean="0"/>
+              <a:t>tv.setTextSize</a:t>
+            </a:r>
+            <a:r>
+              <a:rPr lang="en-US" sz="1400" dirty="0" smtClean="0"/>
+              <a:t>(20);</a:t>
+            </a:r>
+            <a:br>
+              <a:rPr lang="en-US" sz="1400" dirty="0" smtClean="0"/>
+            </a:br>
+            <a:r>
+              <a:rPr lang="en-US" sz="1400" dirty="0" err="1" smtClean="0"/>
+              <a:t>tv.setText</a:t>
+            </a:r>
+            <a:r>
+              <a:rPr lang="en-US" sz="1400" dirty="0" smtClean="0"/>
+              <a:t>("</a:t>
+            </a:r>
+            <a:r>
+              <a:rPr lang="ko-KR" altLang="en-US" sz="1400" dirty="0" smtClean="0"/>
+              <a:t>다음</a:t>
+            </a:r>
+            <a:r>
+              <a:rPr lang="en-US" altLang="ko-KR" sz="1400" dirty="0" smtClean="0"/>
+              <a:t>");</a:t>
+            </a:r>
+            <a:endParaRPr lang="en-US" sz="1400" dirty="0" smtClean="0"/>
+          </a:p>
+          <a:p>
+            <a:pPr>
+              <a:buNone/>
+            </a:pPr>
+            <a:endParaRPr lang="en-US" altLang="ko-KR" sz="1400" dirty="0" smtClean="0"/>
+          </a:p>
+          <a:p>
+            <a:pPr>
+              <a:buNone/>
+            </a:pPr>
+            <a:r>
+              <a:rPr lang="ko-KR" altLang="en-US" sz="1800" dirty="0" err="1" smtClean="0"/>
+              <a:t>홈키</a:t>
+            </a:r>
+            <a:r>
+              <a:rPr lang="ko-KR" altLang="en-US" sz="1800" dirty="0" smtClean="0"/>
+              <a:t> 추가하기 </a:t>
+            </a:r>
+            <a:endParaRPr lang="en-US" altLang="ko-KR" sz="1800" dirty="0" smtClean="0"/>
+          </a:p>
+          <a:p>
+            <a:pPr>
+              <a:buNone/>
+            </a:pPr>
+            <a:r>
+              <a:rPr lang="en-US" sz="1400" dirty="0" smtClean="0"/>
+              <a:t>    </a:t>
+            </a:r>
+            <a:r>
+              <a:rPr lang="en-US" sz="1400" dirty="0" err="1" smtClean="0"/>
+              <a:t>getSupportActionBar</a:t>
+            </a:r>
+            <a:r>
+              <a:rPr lang="en-US" sz="1400" dirty="0" smtClean="0"/>
+              <a:t>().</a:t>
+            </a:r>
+            <a:r>
+              <a:rPr lang="en-US" sz="1400" dirty="0" err="1" smtClean="0"/>
+              <a:t>setDisplayHomeAsUpEnabled</a:t>
+            </a:r>
+            <a:r>
+              <a:rPr lang="en-US" sz="1400" dirty="0" smtClean="0"/>
+              <a:t>(true);</a:t>
+            </a:r>
+            <a:br>
+              <a:rPr lang="en-US" sz="1400" dirty="0" smtClean="0"/>
+            </a:br>
+            <a:r>
+              <a:rPr lang="en-US" sz="1400" dirty="0" err="1" smtClean="0"/>
+              <a:t>getSupportActionBar</a:t>
+            </a:r>
+            <a:r>
+              <a:rPr lang="en-US" sz="1400" dirty="0" smtClean="0"/>
+              <a:t>().</a:t>
+            </a:r>
+            <a:r>
+              <a:rPr lang="en-US" sz="1400" dirty="0" err="1" smtClean="0"/>
+              <a:t>setHomeButtonEnabled</a:t>
+            </a:r>
+            <a:r>
+              <a:rPr lang="en-US" sz="1400" dirty="0" smtClean="0"/>
+              <a:t>(true);</a:t>
+            </a:r>
+            <a:br>
+              <a:rPr lang="en-US" sz="1400" dirty="0" smtClean="0"/>
+            </a:br>
+            <a:r>
+              <a:rPr lang="en-US" sz="1400" dirty="0" err="1" smtClean="0"/>
+              <a:t>getSupportActionBar</a:t>
+            </a:r>
+            <a:r>
+              <a:rPr lang="en-US" sz="1400" dirty="0" smtClean="0"/>
+              <a:t>().</a:t>
+            </a:r>
+            <a:r>
+              <a:rPr lang="en-US" sz="1400" dirty="0" err="1" smtClean="0"/>
+              <a:t>setHomeAsUpIndicator</a:t>
+            </a:r>
+            <a:r>
+              <a:rPr lang="en-US" sz="1400" dirty="0" smtClean="0"/>
+              <a:t>(</a:t>
+            </a:r>
+            <a:r>
+              <a:rPr lang="en-US" sz="1400" dirty="0" err="1" smtClean="0"/>
+              <a:t>R.mipmap.</a:t>
+            </a:r>
+            <a:r>
+              <a:rPr lang="en-US" sz="1400" i="1" dirty="0" err="1" smtClean="0"/>
+              <a:t>ic_launcher</a:t>
+            </a:r>
+            <a:r>
+              <a:rPr lang="en-US" sz="1400" dirty="0" smtClean="0"/>
+              <a:t>);</a:t>
+            </a:r>
+            <a:endParaRPr lang="ko-KR" altLang="en-US" sz="1400" dirty="0"/>
+          </a:p>
+        </p:txBody>
+      </p:sp>
     </p:spTree>
   </p:cSld>
   <p:clrMapOvr>
